--- a/ppt 16-9/1066.跟随拿俄米的.pptx
+++ b/ppt 16-9/1066.跟随拿俄米的.pptx
@@ -5,7 +5,7 @@
     <p:sldMasterId id="2147483648" r:id="rId1"/>
   </p:sldMasterIdLst>
   <p:sldIdLst>
-    <p:sldId id="512" r:id="rId2"/>
+    <p:sldId id="513" r:id="rId2"/>
   </p:sldIdLst>
   <p:sldSz cx="12192000" cy="6858000"/>
   <p:notesSz cx="6858000" cy="9144000"/>
@@ -129,7 +129,7 @@
           <p:cNvPr id="2" name="标题 1">
             <a:extLst>
               <a:ext uri="{FF2B5EF4-FFF2-40B4-BE49-F238E27FC236}">
-                <a16:creationId xmlns:a16="http://schemas.microsoft.com/office/drawing/2014/main" id="{7E15B5D0-58CC-011D-9386-CA395B1B0061}"/>
+                <a16:creationId xmlns:a16="http://schemas.microsoft.com/office/drawing/2014/main" id="{1BB2C18E-8E66-C427-A5FE-B7B331AD768D}"/>
               </a:ext>
             </a:extLst>
           </p:cNvPr>
@@ -166,7 +166,7 @@
           <p:cNvPr id="3" name="副标题 2">
             <a:extLst>
               <a:ext uri="{FF2B5EF4-FFF2-40B4-BE49-F238E27FC236}">
-                <a16:creationId xmlns:a16="http://schemas.microsoft.com/office/drawing/2014/main" id="{AB15AE0A-ADD0-79E8-B937-2AFC99A57FB6}"/>
+                <a16:creationId xmlns:a16="http://schemas.microsoft.com/office/drawing/2014/main" id="{95A1B5F0-C959-5397-A9FB-9FB50E61BB07}"/>
               </a:ext>
             </a:extLst>
           </p:cNvPr>
@@ -236,7 +236,7 @@
           <p:cNvPr id="4" name="日期占位符 3">
             <a:extLst>
               <a:ext uri="{FF2B5EF4-FFF2-40B4-BE49-F238E27FC236}">
-                <a16:creationId xmlns:a16="http://schemas.microsoft.com/office/drawing/2014/main" id="{FFE069A6-E6D2-B660-70C5-92E01BB737FC}"/>
+                <a16:creationId xmlns:a16="http://schemas.microsoft.com/office/drawing/2014/main" id="{03AFB1BC-D025-2DBE-37CE-11E45A029B47}"/>
               </a:ext>
             </a:extLst>
           </p:cNvPr>
@@ -252,7 +252,7 @@
           <a:bodyPr/>
           <a:lstStyle/>
           <a:p>
-            <a:fld id="{D989F945-6ECE-48C0-B991-7A387536C23A}" type="datetimeFigureOut">
+            <a:fld id="{87CB03CA-61C4-4BAB-AFBF-C31931F8382A}" type="datetimeFigureOut">
               <a:rPr lang="zh-CN" altLang="en-US" smtClean="0"/>
               <a:t>2024/3/10</a:t>
             </a:fld>
@@ -265,7 +265,7 @@
           <p:cNvPr id="5" name="页脚占位符 4">
             <a:extLst>
               <a:ext uri="{FF2B5EF4-FFF2-40B4-BE49-F238E27FC236}">
-                <a16:creationId xmlns:a16="http://schemas.microsoft.com/office/drawing/2014/main" id="{824CBD90-02C4-FE05-D901-4B8C38517F72}"/>
+                <a16:creationId xmlns:a16="http://schemas.microsoft.com/office/drawing/2014/main" id="{DE7C718D-90BA-2CB4-0D41-6ECDABC1F4A6}"/>
               </a:ext>
             </a:extLst>
           </p:cNvPr>
@@ -290,7 +290,7 @@
           <p:cNvPr id="6" name="灯片编号占位符 5">
             <a:extLst>
               <a:ext uri="{FF2B5EF4-FFF2-40B4-BE49-F238E27FC236}">
-                <a16:creationId xmlns:a16="http://schemas.microsoft.com/office/drawing/2014/main" id="{83521ECE-92EA-F135-8322-FFE47C2F7D47}"/>
+                <a16:creationId xmlns:a16="http://schemas.microsoft.com/office/drawing/2014/main" id="{CB5C1578-3DCC-15D9-AC62-3A929C25D9CC}"/>
               </a:ext>
             </a:extLst>
           </p:cNvPr>
@@ -306,7 +306,7 @@
           <a:bodyPr/>
           <a:lstStyle/>
           <a:p>
-            <a:fld id="{1A06A140-C432-42F3-9D57-9F4C6FCE1347}" type="slidenum">
+            <a:fld id="{FADB38E3-CC3D-4C5E-BE37-BABE97729394}" type="slidenum">
               <a:rPr lang="zh-CN" altLang="en-US" smtClean="0"/>
               <a:t>‹#›</a:t>
             </a:fld>
@@ -317,7 +317,7 @@
     </p:spTree>
     <p:extLst>
       <p:ext uri="{BB962C8B-B14F-4D97-AF65-F5344CB8AC3E}">
-        <p14:creationId xmlns:p14="http://schemas.microsoft.com/office/powerpoint/2010/main" val="95007635"/>
+        <p14:creationId xmlns:p14="http://schemas.microsoft.com/office/powerpoint/2010/main" val="1630380529"/>
       </p:ext>
     </p:extLst>
   </p:cSld>
@@ -349,7 +349,7 @@
           <p:cNvPr id="2" name="标题 1">
             <a:extLst>
               <a:ext uri="{FF2B5EF4-FFF2-40B4-BE49-F238E27FC236}">
-                <a16:creationId xmlns:a16="http://schemas.microsoft.com/office/drawing/2014/main" id="{FB57948A-8261-95AD-D69C-80D381EEC94A}"/>
+                <a16:creationId xmlns:a16="http://schemas.microsoft.com/office/drawing/2014/main" id="{302B9FA5-F1D9-59CB-44A2-5BD2ECE55E7B}"/>
               </a:ext>
             </a:extLst>
           </p:cNvPr>
@@ -377,7 +377,7 @@
           <p:cNvPr id="3" name="竖排文字占位符 2">
             <a:extLst>
               <a:ext uri="{FF2B5EF4-FFF2-40B4-BE49-F238E27FC236}">
-                <a16:creationId xmlns:a16="http://schemas.microsoft.com/office/drawing/2014/main" id="{EC0F27D9-8B89-5FCC-4487-7969745587A1}"/>
+                <a16:creationId xmlns:a16="http://schemas.microsoft.com/office/drawing/2014/main" id="{41CAD892-6B9E-743C-6051-5837CD1B957C}"/>
               </a:ext>
             </a:extLst>
           </p:cNvPr>
@@ -434,7 +434,7 @@
           <p:cNvPr id="4" name="日期占位符 3">
             <a:extLst>
               <a:ext uri="{FF2B5EF4-FFF2-40B4-BE49-F238E27FC236}">
-                <a16:creationId xmlns:a16="http://schemas.microsoft.com/office/drawing/2014/main" id="{13CCB149-BE89-ECAD-699B-30DBD5CE21EA}"/>
+                <a16:creationId xmlns:a16="http://schemas.microsoft.com/office/drawing/2014/main" id="{A5557529-13D5-AF68-6E8B-E0E7F009566E}"/>
               </a:ext>
             </a:extLst>
           </p:cNvPr>
@@ -450,7 +450,7 @@
           <a:bodyPr/>
           <a:lstStyle/>
           <a:p>
-            <a:fld id="{D989F945-6ECE-48C0-B991-7A387536C23A}" type="datetimeFigureOut">
+            <a:fld id="{87CB03CA-61C4-4BAB-AFBF-C31931F8382A}" type="datetimeFigureOut">
               <a:rPr lang="zh-CN" altLang="en-US" smtClean="0"/>
               <a:t>2024/3/10</a:t>
             </a:fld>
@@ -463,7 +463,7 @@
           <p:cNvPr id="5" name="页脚占位符 4">
             <a:extLst>
               <a:ext uri="{FF2B5EF4-FFF2-40B4-BE49-F238E27FC236}">
-                <a16:creationId xmlns:a16="http://schemas.microsoft.com/office/drawing/2014/main" id="{C8933CE7-0913-B701-41D5-73420E433824}"/>
+                <a16:creationId xmlns:a16="http://schemas.microsoft.com/office/drawing/2014/main" id="{39D224C9-C9DF-29FC-7079-6D4CA640914D}"/>
               </a:ext>
             </a:extLst>
           </p:cNvPr>
@@ -488,7 +488,7 @@
           <p:cNvPr id="6" name="灯片编号占位符 5">
             <a:extLst>
               <a:ext uri="{FF2B5EF4-FFF2-40B4-BE49-F238E27FC236}">
-                <a16:creationId xmlns:a16="http://schemas.microsoft.com/office/drawing/2014/main" id="{2F2CAD68-515E-D4FE-22BC-07F106103095}"/>
+                <a16:creationId xmlns:a16="http://schemas.microsoft.com/office/drawing/2014/main" id="{4E5C1DAF-D87F-0691-851A-13AB43A91C71}"/>
               </a:ext>
             </a:extLst>
           </p:cNvPr>
@@ -504,7 +504,7 @@
           <a:bodyPr/>
           <a:lstStyle/>
           <a:p>
-            <a:fld id="{1A06A140-C432-42F3-9D57-9F4C6FCE1347}" type="slidenum">
+            <a:fld id="{FADB38E3-CC3D-4C5E-BE37-BABE97729394}" type="slidenum">
               <a:rPr lang="zh-CN" altLang="en-US" smtClean="0"/>
               <a:t>‹#›</a:t>
             </a:fld>
@@ -515,7 +515,7 @@
     </p:spTree>
     <p:extLst>
       <p:ext uri="{BB962C8B-B14F-4D97-AF65-F5344CB8AC3E}">
-        <p14:creationId xmlns:p14="http://schemas.microsoft.com/office/powerpoint/2010/main" val="2609770948"/>
+        <p14:creationId xmlns:p14="http://schemas.microsoft.com/office/powerpoint/2010/main" val="476701274"/>
       </p:ext>
     </p:extLst>
   </p:cSld>
@@ -547,7 +547,7 @@
           <p:cNvPr id="2" name="竖排标题 1">
             <a:extLst>
               <a:ext uri="{FF2B5EF4-FFF2-40B4-BE49-F238E27FC236}">
-                <a16:creationId xmlns:a16="http://schemas.microsoft.com/office/drawing/2014/main" id="{85010D44-BAD5-9D5E-E553-6F001591FDAE}"/>
+                <a16:creationId xmlns:a16="http://schemas.microsoft.com/office/drawing/2014/main" id="{8E447307-CC01-5B02-C1FC-C794E858441B}"/>
               </a:ext>
             </a:extLst>
           </p:cNvPr>
@@ -580,7 +580,7 @@
           <p:cNvPr id="3" name="竖排文字占位符 2">
             <a:extLst>
               <a:ext uri="{FF2B5EF4-FFF2-40B4-BE49-F238E27FC236}">
-                <a16:creationId xmlns:a16="http://schemas.microsoft.com/office/drawing/2014/main" id="{383066F7-2C46-4CE0-3C2E-10615F9DD165}"/>
+                <a16:creationId xmlns:a16="http://schemas.microsoft.com/office/drawing/2014/main" id="{AEDF5BF8-C489-218E-3D50-DEF16587DD04}"/>
               </a:ext>
             </a:extLst>
           </p:cNvPr>
@@ -642,7 +642,7 @@
           <p:cNvPr id="4" name="日期占位符 3">
             <a:extLst>
               <a:ext uri="{FF2B5EF4-FFF2-40B4-BE49-F238E27FC236}">
-                <a16:creationId xmlns:a16="http://schemas.microsoft.com/office/drawing/2014/main" id="{AFA7F324-5050-D2DE-A319-87CE105C00C4}"/>
+                <a16:creationId xmlns:a16="http://schemas.microsoft.com/office/drawing/2014/main" id="{FF643776-D475-9C9C-70D4-7C1A573C021E}"/>
               </a:ext>
             </a:extLst>
           </p:cNvPr>
@@ -658,7 +658,7 @@
           <a:bodyPr/>
           <a:lstStyle/>
           <a:p>
-            <a:fld id="{D989F945-6ECE-48C0-B991-7A387536C23A}" type="datetimeFigureOut">
+            <a:fld id="{87CB03CA-61C4-4BAB-AFBF-C31931F8382A}" type="datetimeFigureOut">
               <a:rPr lang="zh-CN" altLang="en-US" smtClean="0"/>
               <a:t>2024/3/10</a:t>
             </a:fld>
@@ -671,7 +671,7 @@
           <p:cNvPr id="5" name="页脚占位符 4">
             <a:extLst>
               <a:ext uri="{FF2B5EF4-FFF2-40B4-BE49-F238E27FC236}">
-                <a16:creationId xmlns:a16="http://schemas.microsoft.com/office/drawing/2014/main" id="{4C3F3711-DEB3-E486-A8C6-1609BB845D77}"/>
+                <a16:creationId xmlns:a16="http://schemas.microsoft.com/office/drawing/2014/main" id="{C12B1C83-D0E7-E2B4-AA15-E6008A01C604}"/>
               </a:ext>
             </a:extLst>
           </p:cNvPr>
@@ -696,7 +696,7 @@
           <p:cNvPr id="6" name="灯片编号占位符 5">
             <a:extLst>
               <a:ext uri="{FF2B5EF4-FFF2-40B4-BE49-F238E27FC236}">
-                <a16:creationId xmlns:a16="http://schemas.microsoft.com/office/drawing/2014/main" id="{1E6F3624-7D1B-C980-D9D5-6BB71553D5EC}"/>
+                <a16:creationId xmlns:a16="http://schemas.microsoft.com/office/drawing/2014/main" id="{C908739C-3988-E327-94AD-80D5B043E971}"/>
               </a:ext>
             </a:extLst>
           </p:cNvPr>
@@ -712,7 +712,7 @@
           <a:bodyPr/>
           <a:lstStyle/>
           <a:p>
-            <a:fld id="{1A06A140-C432-42F3-9D57-9F4C6FCE1347}" type="slidenum">
+            <a:fld id="{FADB38E3-CC3D-4C5E-BE37-BABE97729394}" type="slidenum">
               <a:rPr lang="zh-CN" altLang="en-US" smtClean="0"/>
               <a:t>‹#›</a:t>
             </a:fld>
@@ -723,7 +723,7 @@
     </p:spTree>
     <p:extLst>
       <p:ext uri="{BB962C8B-B14F-4D97-AF65-F5344CB8AC3E}">
-        <p14:creationId xmlns:p14="http://schemas.microsoft.com/office/powerpoint/2010/main" val="3498903330"/>
+        <p14:creationId xmlns:p14="http://schemas.microsoft.com/office/powerpoint/2010/main" val="2415981882"/>
       </p:ext>
     </p:extLst>
   </p:cSld>
@@ -755,7 +755,7 @@
           <p:cNvPr id="2" name="标题 1">
             <a:extLst>
               <a:ext uri="{FF2B5EF4-FFF2-40B4-BE49-F238E27FC236}">
-                <a16:creationId xmlns:a16="http://schemas.microsoft.com/office/drawing/2014/main" id="{FF063698-6FBA-E370-C468-13DF53DC51DB}"/>
+                <a16:creationId xmlns:a16="http://schemas.microsoft.com/office/drawing/2014/main" id="{03748864-3471-81DD-FBC5-F19F579496DC}"/>
               </a:ext>
             </a:extLst>
           </p:cNvPr>
@@ -783,7 +783,7 @@
           <p:cNvPr id="3" name="内容占位符 2">
             <a:extLst>
               <a:ext uri="{FF2B5EF4-FFF2-40B4-BE49-F238E27FC236}">
-                <a16:creationId xmlns:a16="http://schemas.microsoft.com/office/drawing/2014/main" id="{B8D0CCEB-692C-E840-2876-73A1F1682F05}"/>
+                <a16:creationId xmlns:a16="http://schemas.microsoft.com/office/drawing/2014/main" id="{219A18FF-41B1-C7E4-F15F-474AD3CCA93F}"/>
               </a:ext>
             </a:extLst>
           </p:cNvPr>
@@ -840,7 +840,7 @@
           <p:cNvPr id="4" name="日期占位符 3">
             <a:extLst>
               <a:ext uri="{FF2B5EF4-FFF2-40B4-BE49-F238E27FC236}">
-                <a16:creationId xmlns:a16="http://schemas.microsoft.com/office/drawing/2014/main" id="{B3284872-C629-41AD-6811-BAE61261AC51}"/>
+                <a16:creationId xmlns:a16="http://schemas.microsoft.com/office/drawing/2014/main" id="{DCA7616B-DCDA-D5A9-5179-CAB3E03864A0}"/>
               </a:ext>
             </a:extLst>
           </p:cNvPr>
@@ -856,7 +856,7 @@
           <a:bodyPr/>
           <a:lstStyle/>
           <a:p>
-            <a:fld id="{D989F945-6ECE-48C0-B991-7A387536C23A}" type="datetimeFigureOut">
+            <a:fld id="{87CB03CA-61C4-4BAB-AFBF-C31931F8382A}" type="datetimeFigureOut">
               <a:rPr lang="zh-CN" altLang="en-US" smtClean="0"/>
               <a:t>2024/3/10</a:t>
             </a:fld>
@@ -869,7 +869,7 @@
           <p:cNvPr id="5" name="页脚占位符 4">
             <a:extLst>
               <a:ext uri="{FF2B5EF4-FFF2-40B4-BE49-F238E27FC236}">
-                <a16:creationId xmlns:a16="http://schemas.microsoft.com/office/drawing/2014/main" id="{A086EC1F-9DDF-6BFA-B848-DBEBC4C03D63}"/>
+                <a16:creationId xmlns:a16="http://schemas.microsoft.com/office/drawing/2014/main" id="{C3BDCF7C-A2BA-D09D-2673-3DFBA347A94E}"/>
               </a:ext>
             </a:extLst>
           </p:cNvPr>
@@ -894,7 +894,7 @@
           <p:cNvPr id="6" name="灯片编号占位符 5">
             <a:extLst>
               <a:ext uri="{FF2B5EF4-FFF2-40B4-BE49-F238E27FC236}">
-                <a16:creationId xmlns:a16="http://schemas.microsoft.com/office/drawing/2014/main" id="{28C34619-182F-F355-B83A-3D7444101AAE}"/>
+                <a16:creationId xmlns:a16="http://schemas.microsoft.com/office/drawing/2014/main" id="{BC17CDB7-01BB-2F0D-DAA0-5ACA0B9F69CC}"/>
               </a:ext>
             </a:extLst>
           </p:cNvPr>
@@ -910,7 +910,7 @@
           <a:bodyPr/>
           <a:lstStyle/>
           <a:p>
-            <a:fld id="{1A06A140-C432-42F3-9D57-9F4C6FCE1347}" type="slidenum">
+            <a:fld id="{FADB38E3-CC3D-4C5E-BE37-BABE97729394}" type="slidenum">
               <a:rPr lang="zh-CN" altLang="en-US" smtClean="0"/>
               <a:t>‹#›</a:t>
             </a:fld>
@@ -921,7 +921,7 @@
     </p:spTree>
     <p:extLst>
       <p:ext uri="{BB962C8B-B14F-4D97-AF65-F5344CB8AC3E}">
-        <p14:creationId xmlns:p14="http://schemas.microsoft.com/office/powerpoint/2010/main" val="140579800"/>
+        <p14:creationId xmlns:p14="http://schemas.microsoft.com/office/powerpoint/2010/main" val="103473779"/>
       </p:ext>
     </p:extLst>
   </p:cSld>
@@ -953,7 +953,7 @@
           <p:cNvPr id="2" name="标题 1">
             <a:extLst>
               <a:ext uri="{FF2B5EF4-FFF2-40B4-BE49-F238E27FC236}">
-                <a16:creationId xmlns:a16="http://schemas.microsoft.com/office/drawing/2014/main" id="{85E10213-1B5C-FA3D-D02F-1E604BB48D18}"/>
+                <a16:creationId xmlns:a16="http://schemas.microsoft.com/office/drawing/2014/main" id="{D5161AEF-AD6E-7A75-9BF1-EB5D941DC1FB}"/>
               </a:ext>
             </a:extLst>
           </p:cNvPr>
@@ -990,7 +990,7 @@
           <p:cNvPr id="3" name="文本占位符 2">
             <a:extLst>
               <a:ext uri="{FF2B5EF4-FFF2-40B4-BE49-F238E27FC236}">
-                <a16:creationId xmlns:a16="http://schemas.microsoft.com/office/drawing/2014/main" id="{067F2F3F-3C52-B332-8B38-9739F63A785C}"/>
+                <a16:creationId xmlns:a16="http://schemas.microsoft.com/office/drawing/2014/main" id="{A3D7BFF3-EB2E-70DF-799B-A6ED89C29614}"/>
               </a:ext>
             </a:extLst>
           </p:cNvPr>
@@ -1115,7 +1115,7 @@
           <p:cNvPr id="4" name="日期占位符 3">
             <a:extLst>
               <a:ext uri="{FF2B5EF4-FFF2-40B4-BE49-F238E27FC236}">
-                <a16:creationId xmlns:a16="http://schemas.microsoft.com/office/drawing/2014/main" id="{E9A00B08-1BFA-45EE-8C37-B365C526655C}"/>
+                <a16:creationId xmlns:a16="http://schemas.microsoft.com/office/drawing/2014/main" id="{9E6CB781-88D2-5DB9-C507-837D95930DA3}"/>
               </a:ext>
             </a:extLst>
           </p:cNvPr>
@@ -1131,7 +1131,7 @@
           <a:bodyPr/>
           <a:lstStyle/>
           <a:p>
-            <a:fld id="{D989F945-6ECE-48C0-B991-7A387536C23A}" type="datetimeFigureOut">
+            <a:fld id="{87CB03CA-61C4-4BAB-AFBF-C31931F8382A}" type="datetimeFigureOut">
               <a:rPr lang="zh-CN" altLang="en-US" smtClean="0"/>
               <a:t>2024/3/10</a:t>
             </a:fld>
@@ -1144,7 +1144,7 @@
           <p:cNvPr id="5" name="页脚占位符 4">
             <a:extLst>
               <a:ext uri="{FF2B5EF4-FFF2-40B4-BE49-F238E27FC236}">
-                <a16:creationId xmlns:a16="http://schemas.microsoft.com/office/drawing/2014/main" id="{32610BE5-1C0E-FB62-AE22-5ABE55D77854}"/>
+                <a16:creationId xmlns:a16="http://schemas.microsoft.com/office/drawing/2014/main" id="{76E168DF-AD65-8867-4DBB-881561809E55}"/>
               </a:ext>
             </a:extLst>
           </p:cNvPr>
@@ -1169,7 +1169,7 @@
           <p:cNvPr id="6" name="灯片编号占位符 5">
             <a:extLst>
               <a:ext uri="{FF2B5EF4-FFF2-40B4-BE49-F238E27FC236}">
-                <a16:creationId xmlns:a16="http://schemas.microsoft.com/office/drawing/2014/main" id="{E6FC3D1F-F597-DCAA-122C-660A94C3B476}"/>
+                <a16:creationId xmlns:a16="http://schemas.microsoft.com/office/drawing/2014/main" id="{F5E54B00-50C5-C09C-12FC-6BDFE3BE24DF}"/>
               </a:ext>
             </a:extLst>
           </p:cNvPr>
@@ -1185,7 +1185,7 @@
           <a:bodyPr/>
           <a:lstStyle/>
           <a:p>
-            <a:fld id="{1A06A140-C432-42F3-9D57-9F4C6FCE1347}" type="slidenum">
+            <a:fld id="{FADB38E3-CC3D-4C5E-BE37-BABE97729394}" type="slidenum">
               <a:rPr lang="zh-CN" altLang="en-US" smtClean="0"/>
               <a:t>‹#›</a:t>
             </a:fld>
@@ -1196,7 +1196,7 @@
     </p:spTree>
     <p:extLst>
       <p:ext uri="{BB962C8B-B14F-4D97-AF65-F5344CB8AC3E}">
-        <p14:creationId xmlns:p14="http://schemas.microsoft.com/office/powerpoint/2010/main" val="2803891244"/>
+        <p14:creationId xmlns:p14="http://schemas.microsoft.com/office/powerpoint/2010/main" val="1453718818"/>
       </p:ext>
     </p:extLst>
   </p:cSld>
@@ -1228,7 +1228,7 @@
           <p:cNvPr id="2" name="标题 1">
             <a:extLst>
               <a:ext uri="{FF2B5EF4-FFF2-40B4-BE49-F238E27FC236}">
-                <a16:creationId xmlns:a16="http://schemas.microsoft.com/office/drawing/2014/main" id="{7C5DF31A-0BE8-F6EF-2246-0EFD200734CE}"/>
+                <a16:creationId xmlns:a16="http://schemas.microsoft.com/office/drawing/2014/main" id="{C64672FF-6ADC-62D7-2BEA-41AF47BB77D5}"/>
               </a:ext>
             </a:extLst>
           </p:cNvPr>
@@ -1256,7 +1256,7 @@
           <p:cNvPr id="3" name="内容占位符 2">
             <a:extLst>
               <a:ext uri="{FF2B5EF4-FFF2-40B4-BE49-F238E27FC236}">
-                <a16:creationId xmlns:a16="http://schemas.microsoft.com/office/drawing/2014/main" id="{1F9ECD5A-CF1A-0576-1483-EE7E7BB3A058}"/>
+                <a16:creationId xmlns:a16="http://schemas.microsoft.com/office/drawing/2014/main" id="{D890648A-2333-7305-A544-5CD8A4C94011}"/>
               </a:ext>
             </a:extLst>
           </p:cNvPr>
@@ -1318,7 +1318,7 @@
           <p:cNvPr id="4" name="内容占位符 3">
             <a:extLst>
               <a:ext uri="{FF2B5EF4-FFF2-40B4-BE49-F238E27FC236}">
-                <a16:creationId xmlns:a16="http://schemas.microsoft.com/office/drawing/2014/main" id="{38445F25-E5BE-020D-6018-9D53E364814F}"/>
+                <a16:creationId xmlns:a16="http://schemas.microsoft.com/office/drawing/2014/main" id="{3724C85D-12ED-98E0-A611-93537AA8FCBA}"/>
               </a:ext>
             </a:extLst>
           </p:cNvPr>
@@ -1380,7 +1380,7 @@
           <p:cNvPr id="5" name="日期占位符 4">
             <a:extLst>
               <a:ext uri="{FF2B5EF4-FFF2-40B4-BE49-F238E27FC236}">
-                <a16:creationId xmlns:a16="http://schemas.microsoft.com/office/drawing/2014/main" id="{C650600B-3A41-FEEC-7F72-32F2F9BF51DD}"/>
+                <a16:creationId xmlns:a16="http://schemas.microsoft.com/office/drawing/2014/main" id="{A019ED3E-049F-A843-85F3-683A92D4ADE6}"/>
               </a:ext>
             </a:extLst>
           </p:cNvPr>
@@ -1396,7 +1396,7 @@
           <a:bodyPr/>
           <a:lstStyle/>
           <a:p>
-            <a:fld id="{D989F945-6ECE-48C0-B991-7A387536C23A}" type="datetimeFigureOut">
+            <a:fld id="{87CB03CA-61C4-4BAB-AFBF-C31931F8382A}" type="datetimeFigureOut">
               <a:rPr lang="zh-CN" altLang="en-US" smtClean="0"/>
               <a:t>2024/3/10</a:t>
             </a:fld>
@@ -1409,7 +1409,7 @@
           <p:cNvPr id="6" name="页脚占位符 5">
             <a:extLst>
               <a:ext uri="{FF2B5EF4-FFF2-40B4-BE49-F238E27FC236}">
-                <a16:creationId xmlns:a16="http://schemas.microsoft.com/office/drawing/2014/main" id="{6F0A5673-A30D-E702-FC4D-61FC5124BBC3}"/>
+                <a16:creationId xmlns:a16="http://schemas.microsoft.com/office/drawing/2014/main" id="{A1BC71CD-66CE-9DFB-D933-2EB904E534F3}"/>
               </a:ext>
             </a:extLst>
           </p:cNvPr>
@@ -1434,7 +1434,7 @@
           <p:cNvPr id="7" name="灯片编号占位符 6">
             <a:extLst>
               <a:ext uri="{FF2B5EF4-FFF2-40B4-BE49-F238E27FC236}">
-                <a16:creationId xmlns:a16="http://schemas.microsoft.com/office/drawing/2014/main" id="{9B997EE7-6940-8207-8701-02F60BBDF45D}"/>
+                <a16:creationId xmlns:a16="http://schemas.microsoft.com/office/drawing/2014/main" id="{E5AEC28E-EA5B-0B10-753C-153BE41F0C16}"/>
               </a:ext>
             </a:extLst>
           </p:cNvPr>
@@ -1450,7 +1450,7 @@
           <a:bodyPr/>
           <a:lstStyle/>
           <a:p>
-            <a:fld id="{1A06A140-C432-42F3-9D57-9F4C6FCE1347}" type="slidenum">
+            <a:fld id="{FADB38E3-CC3D-4C5E-BE37-BABE97729394}" type="slidenum">
               <a:rPr lang="zh-CN" altLang="en-US" smtClean="0"/>
               <a:t>‹#›</a:t>
             </a:fld>
@@ -1461,7 +1461,7 @@
     </p:spTree>
     <p:extLst>
       <p:ext uri="{BB962C8B-B14F-4D97-AF65-F5344CB8AC3E}">
-        <p14:creationId xmlns:p14="http://schemas.microsoft.com/office/powerpoint/2010/main" val="445722103"/>
+        <p14:creationId xmlns:p14="http://schemas.microsoft.com/office/powerpoint/2010/main" val="2645568769"/>
       </p:ext>
     </p:extLst>
   </p:cSld>
@@ -1493,7 +1493,7 @@
           <p:cNvPr id="2" name="标题 1">
             <a:extLst>
               <a:ext uri="{FF2B5EF4-FFF2-40B4-BE49-F238E27FC236}">
-                <a16:creationId xmlns:a16="http://schemas.microsoft.com/office/drawing/2014/main" id="{BF244DFF-CBF2-BBFF-BF8D-0CF990A23CE6}"/>
+                <a16:creationId xmlns:a16="http://schemas.microsoft.com/office/drawing/2014/main" id="{F29DEA84-13B9-02EB-B5CA-096FCAC29612}"/>
               </a:ext>
             </a:extLst>
           </p:cNvPr>
@@ -1526,7 +1526,7 @@
           <p:cNvPr id="3" name="文本占位符 2">
             <a:extLst>
               <a:ext uri="{FF2B5EF4-FFF2-40B4-BE49-F238E27FC236}">
-                <a16:creationId xmlns:a16="http://schemas.microsoft.com/office/drawing/2014/main" id="{6A374C66-99B2-B9E8-D630-2D9BAD8CB3A3}"/>
+                <a16:creationId xmlns:a16="http://schemas.microsoft.com/office/drawing/2014/main" id="{39469539-EE83-3E05-C724-387FEDBF3CB3}"/>
               </a:ext>
             </a:extLst>
           </p:cNvPr>
@@ -1597,7 +1597,7 @@
           <p:cNvPr id="4" name="内容占位符 3">
             <a:extLst>
               <a:ext uri="{FF2B5EF4-FFF2-40B4-BE49-F238E27FC236}">
-                <a16:creationId xmlns:a16="http://schemas.microsoft.com/office/drawing/2014/main" id="{F72A1E3D-A1EA-7934-38CB-95C09FD12525}"/>
+                <a16:creationId xmlns:a16="http://schemas.microsoft.com/office/drawing/2014/main" id="{9ED33616-F088-ED13-5F84-BCF68A3AAC1A}"/>
               </a:ext>
             </a:extLst>
           </p:cNvPr>
@@ -1659,7 +1659,7 @@
           <p:cNvPr id="5" name="文本占位符 4">
             <a:extLst>
               <a:ext uri="{FF2B5EF4-FFF2-40B4-BE49-F238E27FC236}">
-                <a16:creationId xmlns:a16="http://schemas.microsoft.com/office/drawing/2014/main" id="{080BBA39-E809-1C86-33AA-DCA484382E13}"/>
+                <a16:creationId xmlns:a16="http://schemas.microsoft.com/office/drawing/2014/main" id="{C3AA5B05-08EC-E147-A43B-31E8F5CAFD49}"/>
               </a:ext>
             </a:extLst>
           </p:cNvPr>
@@ -1730,7 +1730,7 @@
           <p:cNvPr id="6" name="内容占位符 5">
             <a:extLst>
               <a:ext uri="{FF2B5EF4-FFF2-40B4-BE49-F238E27FC236}">
-                <a16:creationId xmlns:a16="http://schemas.microsoft.com/office/drawing/2014/main" id="{27D8F7F4-3236-E9D9-2F04-FAB63F44A7B3}"/>
+                <a16:creationId xmlns:a16="http://schemas.microsoft.com/office/drawing/2014/main" id="{7543AB2B-12AB-6EF3-EB3C-3E4C395146B9}"/>
               </a:ext>
             </a:extLst>
           </p:cNvPr>
@@ -1792,7 +1792,7 @@
           <p:cNvPr id="7" name="日期占位符 6">
             <a:extLst>
               <a:ext uri="{FF2B5EF4-FFF2-40B4-BE49-F238E27FC236}">
-                <a16:creationId xmlns:a16="http://schemas.microsoft.com/office/drawing/2014/main" id="{0F5B08E0-D38A-B4D3-4DA6-39D31B7AFBA0}"/>
+                <a16:creationId xmlns:a16="http://schemas.microsoft.com/office/drawing/2014/main" id="{AFDF57A2-316C-B74B-AED4-AD91EA8B552F}"/>
               </a:ext>
             </a:extLst>
           </p:cNvPr>
@@ -1808,7 +1808,7 @@
           <a:bodyPr/>
           <a:lstStyle/>
           <a:p>
-            <a:fld id="{D989F945-6ECE-48C0-B991-7A387536C23A}" type="datetimeFigureOut">
+            <a:fld id="{87CB03CA-61C4-4BAB-AFBF-C31931F8382A}" type="datetimeFigureOut">
               <a:rPr lang="zh-CN" altLang="en-US" smtClean="0"/>
               <a:t>2024/3/10</a:t>
             </a:fld>
@@ -1821,7 +1821,7 @@
           <p:cNvPr id="8" name="页脚占位符 7">
             <a:extLst>
               <a:ext uri="{FF2B5EF4-FFF2-40B4-BE49-F238E27FC236}">
-                <a16:creationId xmlns:a16="http://schemas.microsoft.com/office/drawing/2014/main" id="{A5CB51FB-3E69-8AB8-E6BB-50B060C3A5A3}"/>
+                <a16:creationId xmlns:a16="http://schemas.microsoft.com/office/drawing/2014/main" id="{453BC7E5-344D-DBAE-AA69-49343FE9B2AC}"/>
               </a:ext>
             </a:extLst>
           </p:cNvPr>
@@ -1846,7 +1846,7 @@
           <p:cNvPr id="9" name="灯片编号占位符 8">
             <a:extLst>
               <a:ext uri="{FF2B5EF4-FFF2-40B4-BE49-F238E27FC236}">
-                <a16:creationId xmlns:a16="http://schemas.microsoft.com/office/drawing/2014/main" id="{29457359-27EF-47ED-31EF-D831F6A92555}"/>
+                <a16:creationId xmlns:a16="http://schemas.microsoft.com/office/drawing/2014/main" id="{59BC6CAC-9A6E-F723-2BCB-FB1631100399}"/>
               </a:ext>
             </a:extLst>
           </p:cNvPr>
@@ -1862,7 +1862,7 @@
           <a:bodyPr/>
           <a:lstStyle/>
           <a:p>
-            <a:fld id="{1A06A140-C432-42F3-9D57-9F4C6FCE1347}" type="slidenum">
+            <a:fld id="{FADB38E3-CC3D-4C5E-BE37-BABE97729394}" type="slidenum">
               <a:rPr lang="zh-CN" altLang="en-US" smtClean="0"/>
               <a:t>‹#›</a:t>
             </a:fld>
@@ -1873,7 +1873,7 @@
     </p:spTree>
     <p:extLst>
       <p:ext uri="{BB962C8B-B14F-4D97-AF65-F5344CB8AC3E}">
-        <p14:creationId xmlns:p14="http://schemas.microsoft.com/office/powerpoint/2010/main" val="3784813810"/>
+        <p14:creationId xmlns:p14="http://schemas.microsoft.com/office/powerpoint/2010/main" val="3050177932"/>
       </p:ext>
     </p:extLst>
   </p:cSld>
@@ -1905,7 +1905,7 @@
           <p:cNvPr id="2" name="标题 1">
             <a:extLst>
               <a:ext uri="{FF2B5EF4-FFF2-40B4-BE49-F238E27FC236}">
-                <a16:creationId xmlns:a16="http://schemas.microsoft.com/office/drawing/2014/main" id="{4D8492D1-4288-5F1A-CF59-3F557228A901}"/>
+                <a16:creationId xmlns:a16="http://schemas.microsoft.com/office/drawing/2014/main" id="{F9D31BAE-7522-6160-57A8-1B1D0B93680F}"/>
               </a:ext>
             </a:extLst>
           </p:cNvPr>
@@ -1933,7 +1933,7 @@
           <p:cNvPr id="3" name="日期占位符 2">
             <a:extLst>
               <a:ext uri="{FF2B5EF4-FFF2-40B4-BE49-F238E27FC236}">
-                <a16:creationId xmlns:a16="http://schemas.microsoft.com/office/drawing/2014/main" id="{327D9DD8-E55D-F943-98B7-4EC37E1F2262}"/>
+                <a16:creationId xmlns:a16="http://schemas.microsoft.com/office/drawing/2014/main" id="{88B240A3-29FB-E5D4-2D1D-9E39DAF63E4E}"/>
               </a:ext>
             </a:extLst>
           </p:cNvPr>
@@ -1949,7 +1949,7 @@
           <a:bodyPr/>
           <a:lstStyle/>
           <a:p>
-            <a:fld id="{D989F945-6ECE-48C0-B991-7A387536C23A}" type="datetimeFigureOut">
+            <a:fld id="{87CB03CA-61C4-4BAB-AFBF-C31931F8382A}" type="datetimeFigureOut">
               <a:rPr lang="zh-CN" altLang="en-US" smtClean="0"/>
               <a:t>2024/3/10</a:t>
             </a:fld>
@@ -1962,7 +1962,7 @@
           <p:cNvPr id="4" name="页脚占位符 3">
             <a:extLst>
               <a:ext uri="{FF2B5EF4-FFF2-40B4-BE49-F238E27FC236}">
-                <a16:creationId xmlns:a16="http://schemas.microsoft.com/office/drawing/2014/main" id="{5EE5E2C0-5566-8429-AB9E-60DDD9738ECD}"/>
+                <a16:creationId xmlns:a16="http://schemas.microsoft.com/office/drawing/2014/main" id="{814B7E70-E8CE-9A59-32E1-D2B391CD5F9B}"/>
               </a:ext>
             </a:extLst>
           </p:cNvPr>
@@ -1987,7 +1987,7 @@
           <p:cNvPr id="5" name="灯片编号占位符 4">
             <a:extLst>
               <a:ext uri="{FF2B5EF4-FFF2-40B4-BE49-F238E27FC236}">
-                <a16:creationId xmlns:a16="http://schemas.microsoft.com/office/drawing/2014/main" id="{CFB69A08-624B-7463-C05A-F7352BC9FC56}"/>
+                <a16:creationId xmlns:a16="http://schemas.microsoft.com/office/drawing/2014/main" id="{83C7AD29-A972-207A-36A6-D37FF5EBF048}"/>
               </a:ext>
             </a:extLst>
           </p:cNvPr>
@@ -2003,7 +2003,7 @@
           <a:bodyPr/>
           <a:lstStyle/>
           <a:p>
-            <a:fld id="{1A06A140-C432-42F3-9D57-9F4C6FCE1347}" type="slidenum">
+            <a:fld id="{FADB38E3-CC3D-4C5E-BE37-BABE97729394}" type="slidenum">
               <a:rPr lang="zh-CN" altLang="en-US" smtClean="0"/>
               <a:t>‹#›</a:t>
             </a:fld>
@@ -2014,7 +2014,7 @@
     </p:spTree>
     <p:extLst>
       <p:ext uri="{BB962C8B-B14F-4D97-AF65-F5344CB8AC3E}">
-        <p14:creationId xmlns:p14="http://schemas.microsoft.com/office/powerpoint/2010/main" val="1921982130"/>
+        <p14:creationId xmlns:p14="http://schemas.microsoft.com/office/powerpoint/2010/main" val="1814084903"/>
       </p:ext>
     </p:extLst>
   </p:cSld>
@@ -2046,7 +2046,7 @@
           <p:cNvPr id="2" name="日期占位符 1">
             <a:extLst>
               <a:ext uri="{FF2B5EF4-FFF2-40B4-BE49-F238E27FC236}">
-                <a16:creationId xmlns:a16="http://schemas.microsoft.com/office/drawing/2014/main" id="{F2C05FA3-F4CA-8051-9236-F36B5679FFF5}"/>
+                <a16:creationId xmlns:a16="http://schemas.microsoft.com/office/drawing/2014/main" id="{2311553C-3A20-D023-2C4D-E28D91145578}"/>
               </a:ext>
             </a:extLst>
           </p:cNvPr>
@@ -2062,7 +2062,7 @@
           <a:bodyPr/>
           <a:lstStyle/>
           <a:p>
-            <a:fld id="{D989F945-6ECE-48C0-B991-7A387536C23A}" type="datetimeFigureOut">
+            <a:fld id="{87CB03CA-61C4-4BAB-AFBF-C31931F8382A}" type="datetimeFigureOut">
               <a:rPr lang="zh-CN" altLang="en-US" smtClean="0"/>
               <a:t>2024/3/10</a:t>
             </a:fld>
@@ -2075,7 +2075,7 @@
           <p:cNvPr id="3" name="页脚占位符 2">
             <a:extLst>
               <a:ext uri="{FF2B5EF4-FFF2-40B4-BE49-F238E27FC236}">
-                <a16:creationId xmlns:a16="http://schemas.microsoft.com/office/drawing/2014/main" id="{2E4F28F9-0F82-4FD5-9890-CDEF33C1DF66}"/>
+                <a16:creationId xmlns:a16="http://schemas.microsoft.com/office/drawing/2014/main" id="{FDAA5DF5-C5C9-E7CF-E64F-432AF93C0896}"/>
               </a:ext>
             </a:extLst>
           </p:cNvPr>
@@ -2100,7 +2100,7 @@
           <p:cNvPr id="4" name="灯片编号占位符 3">
             <a:extLst>
               <a:ext uri="{FF2B5EF4-FFF2-40B4-BE49-F238E27FC236}">
-                <a16:creationId xmlns:a16="http://schemas.microsoft.com/office/drawing/2014/main" id="{BB8A45E5-91FA-DC04-32C5-091CAD1EF431}"/>
+                <a16:creationId xmlns:a16="http://schemas.microsoft.com/office/drawing/2014/main" id="{2FB64411-72CA-59CE-CF83-09C7C407144A}"/>
               </a:ext>
             </a:extLst>
           </p:cNvPr>
@@ -2116,7 +2116,7 @@
           <a:bodyPr/>
           <a:lstStyle/>
           <a:p>
-            <a:fld id="{1A06A140-C432-42F3-9D57-9F4C6FCE1347}" type="slidenum">
+            <a:fld id="{FADB38E3-CC3D-4C5E-BE37-BABE97729394}" type="slidenum">
               <a:rPr lang="zh-CN" altLang="en-US" smtClean="0"/>
               <a:t>‹#›</a:t>
             </a:fld>
@@ -2127,7 +2127,7 @@
     </p:spTree>
     <p:extLst>
       <p:ext uri="{BB962C8B-B14F-4D97-AF65-F5344CB8AC3E}">
-        <p14:creationId xmlns:p14="http://schemas.microsoft.com/office/powerpoint/2010/main" val="3638670844"/>
+        <p14:creationId xmlns:p14="http://schemas.microsoft.com/office/powerpoint/2010/main" val="1632660095"/>
       </p:ext>
     </p:extLst>
   </p:cSld>
@@ -2159,7 +2159,7 @@
           <p:cNvPr id="2" name="标题 1">
             <a:extLst>
               <a:ext uri="{FF2B5EF4-FFF2-40B4-BE49-F238E27FC236}">
-                <a16:creationId xmlns:a16="http://schemas.microsoft.com/office/drawing/2014/main" id="{CF5073EB-CC44-06F5-C7A1-0F4187666808}"/>
+                <a16:creationId xmlns:a16="http://schemas.microsoft.com/office/drawing/2014/main" id="{710087C3-5FEF-8148-8A40-FA470A4B3326}"/>
               </a:ext>
             </a:extLst>
           </p:cNvPr>
@@ -2196,7 +2196,7 @@
           <p:cNvPr id="3" name="内容占位符 2">
             <a:extLst>
               <a:ext uri="{FF2B5EF4-FFF2-40B4-BE49-F238E27FC236}">
-                <a16:creationId xmlns:a16="http://schemas.microsoft.com/office/drawing/2014/main" id="{1669CD3A-3B71-71FB-F89E-C4059DDEAEE8}"/>
+                <a16:creationId xmlns:a16="http://schemas.microsoft.com/office/drawing/2014/main" id="{BE037CD8-A7F6-92AA-CE8B-DF0CAC1602D7}"/>
               </a:ext>
             </a:extLst>
           </p:cNvPr>
@@ -2286,7 +2286,7 @@
           <p:cNvPr id="4" name="文本占位符 3">
             <a:extLst>
               <a:ext uri="{FF2B5EF4-FFF2-40B4-BE49-F238E27FC236}">
-                <a16:creationId xmlns:a16="http://schemas.microsoft.com/office/drawing/2014/main" id="{BA669D88-CF5E-7CF4-B26F-BB8D858CE602}"/>
+                <a16:creationId xmlns:a16="http://schemas.microsoft.com/office/drawing/2014/main" id="{2E589478-4DB4-C8AA-E3D6-5BDA8EB76406}"/>
               </a:ext>
             </a:extLst>
           </p:cNvPr>
@@ -2357,7 +2357,7 @@
           <p:cNvPr id="5" name="日期占位符 4">
             <a:extLst>
               <a:ext uri="{FF2B5EF4-FFF2-40B4-BE49-F238E27FC236}">
-                <a16:creationId xmlns:a16="http://schemas.microsoft.com/office/drawing/2014/main" id="{1B22173B-E1CF-B329-A167-8264566B8770}"/>
+                <a16:creationId xmlns:a16="http://schemas.microsoft.com/office/drawing/2014/main" id="{382BCA98-82B3-809F-723C-8C25DB236704}"/>
               </a:ext>
             </a:extLst>
           </p:cNvPr>
@@ -2373,7 +2373,7 @@
           <a:bodyPr/>
           <a:lstStyle/>
           <a:p>
-            <a:fld id="{D989F945-6ECE-48C0-B991-7A387536C23A}" type="datetimeFigureOut">
+            <a:fld id="{87CB03CA-61C4-4BAB-AFBF-C31931F8382A}" type="datetimeFigureOut">
               <a:rPr lang="zh-CN" altLang="en-US" smtClean="0"/>
               <a:t>2024/3/10</a:t>
             </a:fld>
@@ -2386,7 +2386,7 @@
           <p:cNvPr id="6" name="页脚占位符 5">
             <a:extLst>
               <a:ext uri="{FF2B5EF4-FFF2-40B4-BE49-F238E27FC236}">
-                <a16:creationId xmlns:a16="http://schemas.microsoft.com/office/drawing/2014/main" id="{F8DA64C1-A747-906F-5669-265152F90218}"/>
+                <a16:creationId xmlns:a16="http://schemas.microsoft.com/office/drawing/2014/main" id="{4814D2C0-2995-8963-E0E1-41BC43F022D7}"/>
               </a:ext>
             </a:extLst>
           </p:cNvPr>
@@ -2411,7 +2411,7 @@
           <p:cNvPr id="7" name="灯片编号占位符 6">
             <a:extLst>
               <a:ext uri="{FF2B5EF4-FFF2-40B4-BE49-F238E27FC236}">
-                <a16:creationId xmlns:a16="http://schemas.microsoft.com/office/drawing/2014/main" id="{3D5B5C5A-ADC0-572D-857B-09A84C1627EB}"/>
+                <a16:creationId xmlns:a16="http://schemas.microsoft.com/office/drawing/2014/main" id="{78A861DB-95D3-694C-0EA5-C6CA27B36C6D}"/>
               </a:ext>
             </a:extLst>
           </p:cNvPr>
@@ -2427,7 +2427,7 @@
           <a:bodyPr/>
           <a:lstStyle/>
           <a:p>
-            <a:fld id="{1A06A140-C432-42F3-9D57-9F4C6FCE1347}" type="slidenum">
+            <a:fld id="{FADB38E3-CC3D-4C5E-BE37-BABE97729394}" type="slidenum">
               <a:rPr lang="zh-CN" altLang="en-US" smtClean="0"/>
               <a:t>‹#›</a:t>
             </a:fld>
@@ -2438,7 +2438,7 @@
     </p:spTree>
     <p:extLst>
       <p:ext uri="{BB962C8B-B14F-4D97-AF65-F5344CB8AC3E}">
-        <p14:creationId xmlns:p14="http://schemas.microsoft.com/office/powerpoint/2010/main" val="3185417474"/>
+        <p14:creationId xmlns:p14="http://schemas.microsoft.com/office/powerpoint/2010/main" val="1384805979"/>
       </p:ext>
     </p:extLst>
   </p:cSld>
@@ -2470,7 +2470,7 @@
           <p:cNvPr id="2" name="标题 1">
             <a:extLst>
               <a:ext uri="{FF2B5EF4-FFF2-40B4-BE49-F238E27FC236}">
-                <a16:creationId xmlns:a16="http://schemas.microsoft.com/office/drawing/2014/main" id="{E7FFE1A0-9A6D-3EF3-CC94-1F33800F4AEE}"/>
+                <a16:creationId xmlns:a16="http://schemas.microsoft.com/office/drawing/2014/main" id="{E0E038EB-D04D-697A-5438-AF24D922B079}"/>
               </a:ext>
             </a:extLst>
           </p:cNvPr>
@@ -2507,7 +2507,7 @@
           <p:cNvPr id="3" name="图片占位符 2">
             <a:extLst>
               <a:ext uri="{FF2B5EF4-FFF2-40B4-BE49-F238E27FC236}">
-                <a16:creationId xmlns:a16="http://schemas.microsoft.com/office/drawing/2014/main" id="{E45DB9EF-D5EA-4C91-9884-EAF267184F91}"/>
+                <a16:creationId xmlns:a16="http://schemas.microsoft.com/office/drawing/2014/main" id="{33285969-A4FC-AC30-3A6B-FCEEDD5B2330}"/>
               </a:ext>
             </a:extLst>
           </p:cNvPr>
@@ -2574,7 +2574,7 @@
           <p:cNvPr id="4" name="文本占位符 3">
             <a:extLst>
               <a:ext uri="{FF2B5EF4-FFF2-40B4-BE49-F238E27FC236}">
-                <a16:creationId xmlns:a16="http://schemas.microsoft.com/office/drawing/2014/main" id="{9FFD6C6E-9669-A209-8954-98047DB3B409}"/>
+                <a16:creationId xmlns:a16="http://schemas.microsoft.com/office/drawing/2014/main" id="{3B619ABF-2215-5A29-4115-926A94931151}"/>
               </a:ext>
             </a:extLst>
           </p:cNvPr>
@@ -2645,7 +2645,7 @@
           <p:cNvPr id="5" name="日期占位符 4">
             <a:extLst>
               <a:ext uri="{FF2B5EF4-FFF2-40B4-BE49-F238E27FC236}">
-                <a16:creationId xmlns:a16="http://schemas.microsoft.com/office/drawing/2014/main" id="{B0B74B93-CFBC-837C-1BD0-F761C2CDB7AE}"/>
+                <a16:creationId xmlns:a16="http://schemas.microsoft.com/office/drawing/2014/main" id="{864DF119-A88B-346A-4906-5D3B83A42614}"/>
               </a:ext>
             </a:extLst>
           </p:cNvPr>
@@ -2661,7 +2661,7 @@
           <a:bodyPr/>
           <a:lstStyle/>
           <a:p>
-            <a:fld id="{D989F945-6ECE-48C0-B991-7A387536C23A}" type="datetimeFigureOut">
+            <a:fld id="{87CB03CA-61C4-4BAB-AFBF-C31931F8382A}" type="datetimeFigureOut">
               <a:rPr lang="zh-CN" altLang="en-US" smtClean="0"/>
               <a:t>2024/3/10</a:t>
             </a:fld>
@@ -2674,7 +2674,7 @@
           <p:cNvPr id="6" name="页脚占位符 5">
             <a:extLst>
               <a:ext uri="{FF2B5EF4-FFF2-40B4-BE49-F238E27FC236}">
-                <a16:creationId xmlns:a16="http://schemas.microsoft.com/office/drawing/2014/main" id="{45F04C0F-70A4-5E84-CE2F-4D67ED54A3D9}"/>
+                <a16:creationId xmlns:a16="http://schemas.microsoft.com/office/drawing/2014/main" id="{13F342AD-A0C3-D266-F034-0DD73B16251E}"/>
               </a:ext>
             </a:extLst>
           </p:cNvPr>
@@ -2699,7 +2699,7 @@
           <p:cNvPr id="7" name="灯片编号占位符 6">
             <a:extLst>
               <a:ext uri="{FF2B5EF4-FFF2-40B4-BE49-F238E27FC236}">
-                <a16:creationId xmlns:a16="http://schemas.microsoft.com/office/drawing/2014/main" id="{B5D1684C-71FA-6461-F85A-A80967ECA6E0}"/>
+                <a16:creationId xmlns:a16="http://schemas.microsoft.com/office/drawing/2014/main" id="{AD282C1E-CDAC-C470-740E-F14249E413CA}"/>
               </a:ext>
             </a:extLst>
           </p:cNvPr>
@@ -2715,7 +2715,7 @@
           <a:bodyPr/>
           <a:lstStyle/>
           <a:p>
-            <a:fld id="{1A06A140-C432-42F3-9D57-9F4C6FCE1347}" type="slidenum">
+            <a:fld id="{FADB38E3-CC3D-4C5E-BE37-BABE97729394}" type="slidenum">
               <a:rPr lang="zh-CN" altLang="en-US" smtClean="0"/>
               <a:t>‹#›</a:t>
             </a:fld>
@@ -2726,7 +2726,7 @@
     </p:spTree>
     <p:extLst>
       <p:ext uri="{BB962C8B-B14F-4D97-AF65-F5344CB8AC3E}">
-        <p14:creationId xmlns:p14="http://schemas.microsoft.com/office/powerpoint/2010/main" val="302412090"/>
+        <p14:creationId xmlns:p14="http://schemas.microsoft.com/office/powerpoint/2010/main" val="929946243"/>
       </p:ext>
     </p:extLst>
   </p:cSld>
@@ -2763,7 +2763,7 @@
           <p:cNvPr id="2" name="标题占位符 1">
             <a:extLst>
               <a:ext uri="{FF2B5EF4-FFF2-40B4-BE49-F238E27FC236}">
-                <a16:creationId xmlns:a16="http://schemas.microsoft.com/office/drawing/2014/main" id="{0AB97184-1698-DE6E-7C11-5CF9E24716B6}"/>
+                <a16:creationId xmlns:a16="http://schemas.microsoft.com/office/drawing/2014/main" id="{83CA3C47-BD41-EEDD-CF0E-F9763D87A377}"/>
               </a:ext>
             </a:extLst>
           </p:cNvPr>
@@ -2801,7 +2801,7 @@
           <p:cNvPr id="3" name="文本占位符 2">
             <a:extLst>
               <a:ext uri="{FF2B5EF4-FFF2-40B4-BE49-F238E27FC236}">
-                <a16:creationId xmlns:a16="http://schemas.microsoft.com/office/drawing/2014/main" id="{6D31F55C-4F90-EA34-BEF6-91573A1E212E}"/>
+                <a16:creationId xmlns:a16="http://schemas.microsoft.com/office/drawing/2014/main" id="{BC0A580A-5E45-E23E-720F-361F03C0B2CA}"/>
               </a:ext>
             </a:extLst>
           </p:cNvPr>
@@ -2868,7 +2868,7 @@
           <p:cNvPr id="4" name="日期占位符 3">
             <a:extLst>
               <a:ext uri="{FF2B5EF4-FFF2-40B4-BE49-F238E27FC236}">
-                <a16:creationId xmlns:a16="http://schemas.microsoft.com/office/drawing/2014/main" id="{24E95CE7-0410-67C0-BC19-D27D4FC74B39}"/>
+                <a16:creationId xmlns:a16="http://schemas.microsoft.com/office/drawing/2014/main" id="{E222C641-FCFD-60F3-6486-E8A1B860D593}"/>
               </a:ext>
             </a:extLst>
           </p:cNvPr>
@@ -2902,7 +2902,7 @@
             </a:lvl1pPr>
           </a:lstStyle>
           <a:p>
-            <a:fld id="{D989F945-6ECE-48C0-B991-7A387536C23A}" type="datetimeFigureOut">
+            <a:fld id="{87CB03CA-61C4-4BAB-AFBF-C31931F8382A}" type="datetimeFigureOut">
               <a:rPr lang="zh-CN" altLang="en-US" smtClean="0"/>
               <a:t>2024/3/10</a:t>
             </a:fld>
@@ -2915,7 +2915,7 @@
           <p:cNvPr id="5" name="页脚占位符 4">
             <a:extLst>
               <a:ext uri="{FF2B5EF4-FFF2-40B4-BE49-F238E27FC236}">
-                <a16:creationId xmlns:a16="http://schemas.microsoft.com/office/drawing/2014/main" id="{2149A068-AB24-6E7A-74E0-BD347A531D84}"/>
+                <a16:creationId xmlns:a16="http://schemas.microsoft.com/office/drawing/2014/main" id="{3EC6303D-D29D-84A7-36BC-2BE1A8DB3223}"/>
               </a:ext>
             </a:extLst>
           </p:cNvPr>
@@ -2958,7 +2958,7 @@
           <p:cNvPr id="6" name="灯片编号占位符 5">
             <a:extLst>
               <a:ext uri="{FF2B5EF4-FFF2-40B4-BE49-F238E27FC236}">
-                <a16:creationId xmlns:a16="http://schemas.microsoft.com/office/drawing/2014/main" id="{66672176-B481-16AF-FD98-69104D04F524}"/>
+                <a16:creationId xmlns:a16="http://schemas.microsoft.com/office/drawing/2014/main" id="{66EF6F3C-DB42-003D-EB7F-D5FA48901A68}"/>
               </a:ext>
             </a:extLst>
           </p:cNvPr>
@@ -2992,7 +2992,7 @@
             </a:lvl1pPr>
           </a:lstStyle>
           <a:p>
-            <a:fld id="{1A06A140-C432-42F3-9D57-9F4C6FCE1347}" type="slidenum">
+            <a:fld id="{FADB38E3-CC3D-4C5E-BE37-BABE97729394}" type="slidenum">
               <a:rPr lang="zh-CN" altLang="en-US" smtClean="0"/>
               <a:t>‹#›</a:t>
             </a:fld>
@@ -3003,7 +3003,7 @@
     </p:spTree>
     <p:extLst>
       <p:ext uri="{BB962C8B-B14F-4D97-AF65-F5344CB8AC3E}">
-        <p14:creationId xmlns:p14="http://schemas.microsoft.com/office/powerpoint/2010/main" val="2303745600"/>
+        <p14:creationId xmlns:p14="http://schemas.microsoft.com/office/powerpoint/2010/main" val="3308577420"/>
       </p:ext>
     </p:extLst>
   </p:cSld>
@@ -3323,7 +3323,7 @@
       </p:grpSpPr>
       <p:pic>
         <p:nvPicPr>
-          <p:cNvPr id="1091586" name="Picture 2" descr="1065"/>
+          <p:cNvPr id="1092610" name="Picture 2" descr="1066"/>
           <p:cNvPicPr>
             <a:picLocks noChangeAspect="1" noChangeArrowheads="1"/>
           </p:cNvPicPr>
@@ -3344,8 +3344,8 @@
         </p:blipFill>
         <p:spPr bwMode="auto">
           <a:xfrm>
-            <a:off x="1524000" y="0"/>
-            <a:ext cx="9144000" cy="6858000"/>
+            <a:off x="1524000" y="1"/>
+            <a:ext cx="9144000" cy="6454775"/>
           </a:xfrm>
           <a:prstGeom prst="rect">
             <a:avLst/>
